--- a/wicys_binary_exploitation_presentation/buffer-overflow-presentation.pptx
+++ b/wicys_binary_exploitation_presentation/buffer-overflow-presentation.pptx
@@ -7,8 +7,12 @@
   <p:sldIdLst>
     <p:sldId id="256" r:id="rId2"/>
     <p:sldId id="257" r:id="rId3"/>
-    <p:sldId id="259" r:id="rId4"/>
-    <p:sldId id="258" r:id="rId5"/>
+    <p:sldId id="260" r:id="rId4"/>
+    <p:sldId id="261" r:id="rId5"/>
+    <p:sldId id="262" r:id="rId6"/>
+    <p:sldId id="263" r:id="rId7"/>
+    <p:sldId id="259" r:id="rId8"/>
+    <p:sldId id="258" r:id="rId9"/>
   </p:sldIdLst>
   <p:sldSz cx="12192000" cy="6858000"/>
   <p:notesSz cx="6858000" cy="9144000"/>
@@ -107,13 +111,19 @@
       </a:defRPr>
     </a:lvl9pPr>
   </p:defaultTextStyle>
+  <p:extLst>
+    <p:ext uri="{EFAFB233-063F-42B5-8137-9DF3F51BA10A}">
+      <p15:sldGuideLst xmlns:p15="http://schemas.microsoft.com/office/powerpoint/2012/main"/>
+    </p:ext>
+  </p:extLst>
 </p:presentation>
 </file>
 
 <file path=ppt/revisionInfo.xml><?xml version="1.0" encoding="utf-8"?>
 <p1510:revInfo xmlns:a="http://schemas.openxmlformats.org/drawingml/2006/main" xmlns:r="http://schemas.openxmlformats.org/officeDocument/2006/relationships" xmlns:p1510="http://schemas.microsoft.com/office/powerpoint/2015/10/main">
   <p1510:revLst>
-    <p1510:client id="{B7FC7BE4-BB3F-49CB-B0F1-9B6F00998363}" v="2" dt="2023-03-30T20:44:44.511"/>
+    <p1510:client id="{98171F00-9883-47B6-ACF6-C62F991C94B2}" v="2" dt="2023-03-31T20:20:16.037"/>
+    <p1510:client id="{B7FC7BE4-BB3F-49CB-B0F1-9B6F00998363}" v="838" dt="2023-03-31T20:55:27.924"/>
   </p1510:revLst>
 </p1510:revInfo>
 </file>
@@ -123,18 +133,18 @@
   <pc:docChgLst>
     <pc:chgData name="Jacob Chlebowski" userId="d6bffc96ba4fbc68" providerId="LiveId" clId="{B7FC7BE4-BB3F-49CB-B0F1-9B6F00998363}"/>
     <pc:docChg chg="custSel addSld modSld">
-      <pc:chgData name="Jacob Chlebowski" userId="d6bffc96ba4fbc68" providerId="LiveId" clId="{B7FC7BE4-BB3F-49CB-B0F1-9B6F00998363}" dt="2023-03-30T20:44:44.511" v="113" actId="1076"/>
+      <pc:chgData name="Jacob Chlebowski" userId="d6bffc96ba4fbc68" providerId="LiveId" clId="{B7FC7BE4-BB3F-49CB-B0F1-9B6F00998363}" dt="2023-03-31T20:55:27.924" v="953" actId="1076"/>
       <pc:docMkLst>
         <pc:docMk/>
       </pc:docMkLst>
       <pc:sldChg chg="modSp new mod">
-        <pc:chgData name="Jacob Chlebowski" userId="d6bffc96ba4fbc68" providerId="LiveId" clId="{B7FC7BE4-BB3F-49CB-B0F1-9B6F00998363}" dt="2023-03-30T20:44:07.948" v="71" actId="20577"/>
+        <pc:chgData name="Jacob Chlebowski" userId="d6bffc96ba4fbc68" providerId="LiveId" clId="{B7FC7BE4-BB3F-49CB-B0F1-9B6F00998363}" dt="2023-03-31T20:38:25.880" v="140" actId="20577"/>
         <pc:sldMkLst>
           <pc:docMk/>
           <pc:sldMk cId="181651390" sldId="256"/>
         </pc:sldMkLst>
         <pc:spChg chg="mod">
-          <ac:chgData name="Jacob Chlebowski" userId="d6bffc96ba4fbc68" providerId="LiveId" clId="{B7FC7BE4-BB3F-49CB-B0F1-9B6F00998363}" dt="2023-03-30T20:44:01.330" v="38" actId="20577"/>
+          <ac:chgData name="Jacob Chlebowski" userId="d6bffc96ba4fbc68" providerId="LiveId" clId="{B7FC7BE4-BB3F-49CB-B0F1-9B6F00998363}" dt="2023-03-31T20:38:25.880" v="140" actId="20577"/>
           <ac:spMkLst>
             <pc:docMk/>
             <pc:sldMk cId="181651390" sldId="256"/>
@@ -151,17 +161,25 @@
         </pc:spChg>
       </pc:sldChg>
       <pc:sldChg chg="modSp new mod">
-        <pc:chgData name="Jacob Chlebowski" userId="d6bffc96ba4fbc68" providerId="LiveId" clId="{B7FC7BE4-BB3F-49CB-B0F1-9B6F00998363}" dt="2023-03-30T20:44:27.019" v="110" actId="20577"/>
+        <pc:chgData name="Jacob Chlebowski" userId="d6bffc96ba4fbc68" providerId="LiveId" clId="{B7FC7BE4-BB3F-49CB-B0F1-9B6F00998363}" dt="2023-03-31T20:41:23.032" v="332" actId="20577"/>
         <pc:sldMkLst>
           <pc:docMk/>
           <pc:sldMk cId="4226157974" sldId="257"/>
         </pc:sldMkLst>
         <pc:spChg chg="mod">
-          <ac:chgData name="Jacob Chlebowski" userId="d6bffc96ba4fbc68" providerId="LiveId" clId="{B7FC7BE4-BB3F-49CB-B0F1-9B6F00998363}" dt="2023-03-30T20:44:27.019" v="110" actId="20577"/>
+          <ac:chgData name="Jacob Chlebowski" userId="d6bffc96ba4fbc68" providerId="LiveId" clId="{B7FC7BE4-BB3F-49CB-B0F1-9B6F00998363}" dt="2023-03-31T20:41:11.764" v="298" actId="20577"/>
           <ac:spMkLst>
             <pc:docMk/>
             <pc:sldMk cId="4226157974" sldId="257"/>
             <ac:spMk id="2" creationId="{B4220041-B1EC-DF98-94C1-A3F6BC542B93}"/>
+          </ac:spMkLst>
+        </pc:spChg>
+        <pc:spChg chg="mod">
+          <ac:chgData name="Jacob Chlebowski" userId="d6bffc96ba4fbc68" providerId="LiveId" clId="{B7FC7BE4-BB3F-49CB-B0F1-9B6F00998363}" dt="2023-03-31T20:41:23.032" v="332" actId="20577"/>
+          <ac:spMkLst>
+            <pc:docMk/>
+            <pc:sldMk cId="4226157974" sldId="257"/>
+            <ac:spMk id="3" creationId="{8134A344-2671-F552-4FBA-F5EEFA57554F}"/>
           </ac:spMkLst>
         </pc:spChg>
       </pc:sldChg>
@@ -189,7 +207,7 @@
         </pc:spChg>
       </pc:sldChg>
       <pc:sldChg chg="addSp delSp modSp new">
-        <pc:chgData name="Jacob Chlebowski" userId="d6bffc96ba4fbc68" providerId="LiveId" clId="{B7FC7BE4-BB3F-49CB-B0F1-9B6F00998363}" dt="2023-03-30T20:44:44.511" v="113" actId="1076"/>
+        <pc:chgData name="Jacob Chlebowski" userId="d6bffc96ba4fbc68" providerId="LiveId" clId="{B7FC7BE4-BB3F-49CB-B0F1-9B6F00998363}" dt="2023-03-31T20:55:27.924" v="953" actId="1076"/>
         <pc:sldMkLst>
           <pc:docMk/>
           <pc:sldMk cId="2353003511" sldId="259"/>
@@ -203,13 +221,121 @@
           </ac:spMkLst>
         </pc:spChg>
         <pc:picChg chg="add mod">
-          <ac:chgData name="Jacob Chlebowski" userId="d6bffc96ba4fbc68" providerId="LiveId" clId="{B7FC7BE4-BB3F-49CB-B0F1-9B6F00998363}" dt="2023-03-30T20:44:44.511" v="113" actId="1076"/>
+          <ac:chgData name="Jacob Chlebowski" userId="d6bffc96ba4fbc68" providerId="LiveId" clId="{B7FC7BE4-BB3F-49CB-B0F1-9B6F00998363}" dt="2023-03-31T20:55:27.924" v="953" actId="1076"/>
           <ac:picMkLst>
             <pc:docMk/>
             <pc:sldMk cId="2353003511" sldId="259"/>
             <ac:picMk id="1026" creationId="{F0EA642F-4E6F-5310-ECDE-5AA20E8E6FEB}"/>
           </ac:picMkLst>
         </pc:picChg>
+      </pc:sldChg>
+      <pc:sldChg chg="modSp new mod">
+        <pc:chgData name="Jacob Chlebowski" userId="d6bffc96ba4fbc68" providerId="LiveId" clId="{B7FC7BE4-BB3F-49CB-B0F1-9B6F00998363}" dt="2023-03-31T20:43:48.207" v="608" actId="20577"/>
+        <pc:sldMkLst>
+          <pc:docMk/>
+          <pc:sldMk cId="1940240589" sldId="260"/>
+        </pc:sldMkLst>
+        <pc:spChg chg="mod">
+          <ac:chgData name="Jacob Chlebowski" userId="d6bffc96ba4fbc68" providerId="LiveId" clId="{B7FC7BE4-BB3F-49CB-B0F1-9B6F00998363}" dt="2023-03-31T20:42:08.171" v="368" actId="20577"/>
+          <ac:spMkLst>
+            <pc:docMk/>
+            <pc:sldMk cId="1940240589" sldId="260"/>
+            <ac:spMk id="2" creationId="{D9DF19AD-7006-59A7-1FCF-CE2EAAA24001}"/>
+          </ac:spMkLst>
+        </pc:spChg>
+        <pc:spChg chg="mod">
+          <ac:chgData name="Jacob Chlebowski" userId="d6bffc96ba4fbc68" providerId="LiveId" clId="{B7FC7BE4-BB3F-49CB-B0F1-9B6F00998363}" dt="2023-03-31T20:43:48.207" v="608" actId="20577"/>
+          <ac:spMkLst>
+            <pc:docMk/>
+            <pc:sldMk cId="1940240589" sldId="260"/>
+            <ac:spMk id="3" creationId="{77F5718B-718C-9167-2E7C-1E77621DCA9A}"/>
+          </ac:spMkLst>
+        </pc:spChg>
+      </pc:sldChg>
+      <pc:sldChg chg="modSp new mod">
+        <pc:chgData name="Jacob Chlebowski" userId="d6bffc96ba4fbc68" providerId="LiveId" clId="{B7FC7BE4-BB3F-49CB-B0F1-9B6F00998363}" dt="2023-03-31T20:43:02.849" v="520" actId="20577"/>
+        <pc:sldMkLst>
+          <pc:docMk/>
+          <pc:sldMk cId="3640324309" sldId="261"/>
+        </pc:sldMkLst>
+        <pc:spChg chg="mod">
+          <ac:chgData name="Jacob Chlebowski" userId="d6bffc96ba4fbc68" providerId="LiveId" clId="{B7FC7BE4-BB3F-49CB-B0F1-9B6F00998363}" dt="2023-03-31T20:42:21.335" v="422" actId="20577"/>
+          <ac:spMkLst>
+            <pc:docMk/>
+            <pc:sldMk cId="3640324309" sldId="261"/>
+            <ac:spMk id="2" creationId="{4129B9CA-E3B3-987D-E0FA-E7BAB536801A}"/>
+          </ac:spMkLst>
+        </pc:spChg>
+        <pc:spChg chg="mod">
+          <ac:chgData name="Jacob Chlebowski" userId="d6bffc96ba4fbc68" providerId="LiveId" clId="{B7FC7BE4-BB3F-49CB-B0F1-9B6F00998363}" dt="2023-03-31T20:43:02.849" v="520" actId="20577"/>
+          <ac:spMkLst>
+            <pc:docMk/>
+            <pc:sldMk cId="3640324309" sldId="261"/>
+            <ac:spMk id="3" creationId="{868D17C8-160D-578C-8DDC-712FCBB7AD12}"/>
+          </ac:spMkLst>
+        </pc:spChg>
+      </pc:sldChg>
+      <pc:sldChg chg="modSp new mod">
+        <pc:chgData name="Jacob Chlebowski" userId="d6bffc96ba4fbc68" providerId="LiveId" clId="{B7FC7BE4-BB3F-49CB-B0F1-9B6F00998363}" dt="2023-03-31T20:54:49.938" v="952" actId="20577"/>
+        <pc:sldMkLst>
+          <pc:docMk/>
+          <pc:sldMk cId="3345805383" sldId="262"/>
+        </pc:sldMkLst>
+        <pc:spChg chg="mod">
+          <ac:chgData name="Jacob Chlebowski" userId="d6bffc96ba4fbc68" providerId="LiveId" clId="{B7FC7BE4-BB3F-49CB-B0F1-9B6F00998363}" dt="2023-03-31T20:53:51.643" v="747" actId="20577"/>
+          <ac:spMkLst>
+            <pc:docMk/>
+            <pc:sldMk cId="3345805383" sldId="262"/>
+            <ac:spMk id="2" creationId="{5FA77C56-3DC3-8121-BBC1-2D80076B389C}"/>
+          </ac:spMkLst>
+        </pc:spChg>
+        <pc:spChg chg="mod">
+          <ac:chgData name="Jacob Chlebowski" userId="d6bffc96ba4fbc68" providerId="LiveId" clId="{B7FC7BE4-BB3F-49CB-B0F1-9B6F00998363}" dt="2023-03-31T20:54:49.938" v="952" actId="20577"/>
+          <ac:spMkLst>
+            <pc:docMk/>
+            <pc:sldMk cId="3345805383" sldId="262"/>
+            <ac:spMk id="3" creationId="{D535FAD0-C21A-7FA7-C6B2-827F4A7761F1}"/>
+          </ac:spMkLst>
+        </pc:spChg>
+      </pc:sldChg>
+      <pc:sldChg chg="modSp new mod">
+        <pc:chgData name="Jacob Chlebowski" userId="d6bffc96ba4fbc68" providerId="LiveId" clId="{B7FC7BE4-BB3F-49CB-B0F1-9B6F00998363}" dt="2023-03-31T20:53:54.927" v="759" actId="20577"/>
+        <pc:sldMkLst>
+          <pc:docMk/>
+          <pc:sldMk cId="2154873064" sldId="263"/>
+        </pc:sldMkLst>
+        <pc:spChg chg="mod">
+          <ac:chgData name="Jacob Chlebowski" userId="d6bffc96ba4fbc68" providerId="LiveId" clId="{B7FC7BE4-BB3F-49CB-B0F1-9B6F00998363}" dt="2023-03-31T20:53:54.927" v="759" actId="20577"/>
+          <ac:spMkLst>
+            <pc:docMk/>
+            <pc:sldMk cId="2154873064" sldId="263"/>
+            <ac:spMk id="2" creationId="{52D85520-BA25-A83D-7D3C-B5B62C00AEBA}"/>
+          </ac:spMkLst>
+        </pc:spChg>
+      </pc:sldChg>
+    </pc:docChg>
+  </pc:docChgLst>
+  <pc:docChgLst>
+    <pc:chgData name="Guest User" providerId="Windows Live" clId="Web-{98171F00-9883-47B6-ACF6-C62F991C94B2}"/>
+    <pc:docChg chg="modSld">
+      <pc:chgData name="Guest User" userId="" providerId="Windows Live" clId="Web-{98171F00-9883-47B6-ACF6-C62F991C94B2}" dt="2023-03-31T20:20:16.037" v="1"/>
+      <pc:docMkLst>
+        <pc:docMk/>
+      </pc:docMkLst>
+      <pc:sldChg chg="addSp delSp">
+        <pc:chgData name="Guest User" userId="" providerId="Windows Live" clId="Web-{98171F00-9883-47B6-ACF6-C62F991C94B2}" dt="2023-03-31T20:20:16.037" v="1"/>
+        <pc:sldMkLst>
+          <pc:docMk/>
+          <pc:sldMk cId="2353003511" sldId="259"/>
+        </pc:sldMkLst>
+        <pc:cxnChg chg="add del">
+          <ac:chgData name="Guest User" userId="" providerId="Windows Live" clId="Web-{98171F00-9883-47B6-ACF6-C62F991C94B2}" dt="2023-03-31T20:20:16.037" v="1"/>
+          <ac:cxnSpMkLst>
+            <pc:docMk/>
+            <pc:sldMk cId="2353003511" sldId="259"/>
+            <ac:cxnSpMk id="3" creationId="{AB3DC220-FD9F-302F-58ED-EF87342A7CA1}"/>
+          </ac:cxnSpMkLst>
+        </pc:cxnChg>
       </pc:sldChg>
     </pc:docChg>
   </pc:docChgLst>
@@ -363,7 +489,7 @@
           <a:p>
             <a:fld id="{44B8DF92-EEF8-4B5F-A3D5-B32CBA6FF0CF}" type="datetimeFigureOut">
               <a:rPr lang="en-US" smtClean="0"/>
-              <a:t>3/30/2023</a:t>
+              <a:t>3/31/2023</a:t>
             </a:fld>
             <a:endParaRPr lang="en-US"/>
           </a:p>
@@ -561,7 +687,7 @@
           <a:p>
             <a:fld id="{44B8DF92-EEF8-4B5F-A3D5-B32CBA6FF0CF}" type="datetimeFigureOut">
               <a:rPr lang="en-US" smtClean="0"/>
-              <a:t>3/30/2023</a:t>
+              <a:t>3/31/2023</a:t>
             </a:fld>
             <a:endParaRPr lang="en-US"/>
           </a:p>
@@ -769,7 +895,7 @@
           <a:p>
             <a:fld id="{44B8DF92-EEF8-4B5F-A3D5-B32CBA6FF0CF}" type="datetimeFigureOut">
               <a:rPr lang="en-US" smtClean="0"/>
-              <a:t>3/30/2023</a:t>
+              <a:t>3/31/2023</a:t>
             </a:fld>
             <a:endParaRPr lang="en-US"/>
           </a:p>
@@ -967,7 +1093,7 @@
           <a:p>
             <a:fld id="{44B8DF92-EEF8-4B5F-A3D5-B32CBA6FF0CF}" type="datetimeFigureOut">
               <a:rPr lang="en-US" smtClean="0"/>
-              <a:t>3/30/2023</a:t>
+              <a:t>3/31/2023</a:t>
             </a:fld>
             <a:endParaRPr lang="en-US"/>
           </a:p>
@@ -1242,7 +1368,7 @@
           <a:p>
             <a:fld id="{44B8DF92-EEF8-4B5F-A3D5-B32CBA6FF0CF}" type="datetimeFigureOut">
               <a:rPr lang="en-US" smtClean="0"/>
-              <a:t>3/30/2023</a:t>
+              <a:t>3/31/2023</a:t>
             </a:fld>
             <a:endParaRPr lang="en-US"/>
           </a:p>
@@ -1507,7 +1633,7 @@
           <a:p>
             <a:fld id="{44B8DF92-EEF8-4B5F-A3D5-B32CBA6FF0CF}" type="datetimeFigureOut">
               <a:rPr lang="en-US" smtClean="0"/>
-              <a:t>3/30/2023</a:t>
+              <a:t>3/31/2023</a:t>
             </a:fld>
             <a:endParaRPr lang="en-US"/>
           </a:p>
@@ -1919,7 +2045,7 @@
           <a:p>
             <a:fld id="{44B8DF92-EEF8-4B5F-A3D5-B32CBA6FF0CF}" type="datetimeFigureOut">
               <a:rPr lang="en-US" smtClean="0"/>
-              <a:t>3/30/2023</a:t>
+              <a:t>3/31/2023</a:t>
             </a:fld>
             <a:endParaRPr lang="en-US"/>
           </a:p>
@@ -2060,7 +2186,7 @@
           <a:p>
             <a:fld id="{44B8DF92-EEF8-4B5F-A3D5-B32CBA6FF0CF}" type="datetimeFigureOut">
               <a:rPr lang="en-US" smtClean="0"/>
-              <a:t>3/30/2023</a:t>
+              <a:t>3/31/2023</a:t>
             </a:fld>
             <a:endParaRPr lang="en-US"/>
           </a:p>
@@ -2173,7 +2299,7 @@
           <a:p>
             <a:fld id="{44B8DF92-EEF8-4B5F-A3D5-B32CBA6FF0CF}" type="datetimeFigureOut">
               <a:rPr lang="en-US" smtClean="0"/>
-              <a:t>3/30/2023</a:t>
+              <a:t>3/31/2023</a:t>
             </a:fld>
             <a:endParaRPr lang="en-US"/>
           </a:p>
@@ -2484,7 +2610,7 @@
           <a:p>
             <a:fld id="{44B8DF92-EEF8-4B5F-A3D5-B32CBA6FF0CF}" type="datetimeFigureOut">
               <a:rPr lang="en-US" smtClean="0"/>
-              <a:t>3/30/2023</a:t>
+              <a:t>3/31/2023</a:t>
             </a:fld>
             <a:endParaRPr lang="en-US"/>
           </a:p>
@@ -2772,7 +2898,7 @@
           <a:p>
             <a:fld id="{44B8DF92-EEF8-4B5F-A3D5-B32CBA6FF0CF}" type="datetimeFigureOut">
               <a:rPr lang="en-US" smtClean="0"/>
-              <a:t>3/30/2023</a:t>
+              <a:t>3/31/2023</a:t>
             </a:fld>
             <a:endParaRPr lang="en-US"/>
           </a:p>
@@ -3013,7 +3139,7 @@
           <a:p>
             <a:fld id="{44B8DF92-EEF8-4B5F-A3D5-B32CBA6FF0CF}" type="datetimeFigureOut">
               <a:rPr lang="en-US" smtClean="0"/>
-              <a:t>3/30/2023</a:t>
+              <a:t>3/31/2023</a:t>
             </a:fld>
             <a:endParaRPr lang="en-US"/>
           </a:p>
@@ -3453,7 +3579,7 @@
           <a:p>
             <a:r>
               <a:rPr lang="en-US" dirty="0"/>
-              <a:t>Buffer/Binary/Exploitation</a:t>
+              <a:t>Binary Exploitation</a:t>
             </a:r>
           </a:p>
         </p:txBody>
@@ -3537,7 +3663,10 @@
           <a:bodyPr/>
           <a:lstStyle/>
           <a:p>
-            <a:endParaRPr lang="en-US" dirty="0"/>
+            <a:r>
+              <a:rPr lang="en-US" dirty="0"/>
+              <a:t>Overview</a:t>
+            </a:r>
           </a:p>
         </p:txBody>
       </p:sp>
@@ -3562,7 +3691,40 @@
           <a:bodyPr/>
           <a:lstStyle/>
           <a:p>
-            <a:endParaRPr lang="en-US" dirty="0"/>
+            <a:r>
+              <a:rPr lang="en-US" dirty="0"/>
+              <a:t>ELF-</a:t>
+            </a:r>
+          </a:p>
+          <a:p>
+            <a:r>
+              <a:rPr lang="en-US" dirty="0"/>
+              <a:t>Vulnerabilities-</a:t>
+            </a:r>
+          </a:p>
+          <a:p>
+            <a:r>
+              <a:rPr lang="en-US" dirty="0"/>
+              <a:t>Role as an attacker-</a:t>
+            </a:r>
+          </a:p>
+          <a:p>
+            <a:r>
+              <a:rPr lang="en-US" dirty="0"/>
+              <a:t>Permission Elevation-</a:t>
+            </a:r>
+          </a:p>
+          <a:p>
+            <a:r>
+              <a:rPr lang="en-US" dirty="0"/>
+              <a:t>Tools-</a:t>
+            </a:r>
+          </a:p>
+          <a:p>
+            <a:r>
+              <a:rPr lang="en-US" dirty="0"/>
+              <a:t>2 Problems</a:t>
+            </a:r>
           </a:p>
         </p:txBody>
       </p:sp>
@@ -3601,6 +3763,392 @@
           <p:cNvPr id="2" name="Title 1">
             <a:extLst>
               <a:ext uri="{FF2B5EF4-FFF2-40B4-BE49-F238E27FC236}">
+                <a16:creationId xmlns:a16="http://schemas.microsoft.com/office/drawing/2014/main" id="{D9DF19AD-7006-59A7-1FCF-CE2EAAA24001}"/>
+              </a:ext>
+            </a:extLst>
+          </p:cNvPr>
+          <p:cNvSpPr>
+            <a:spLocks noGrp="1"/>
+          </p:cNvSpPr>
+          <p:nvPr>
+            <p:ph type="title"/>
+          </p:nvPr>
+        </p:nvSpPr>
+        <p:spPr/>
+        <p:txBody>
+          <a:bodyPr/>
+          <a:lstStyle/>
+          <a:p>
+            <a:r>
+              <a:rPr lang="en-US" dirty="0"/>
+              <a:t>Binary Files</a:t>
+            </a:r>
+          </a:p>
+        </p:txBody>
+      </p:sp>
+      <p:sp>
+        <p:nvSpPr>
+          <p:cNvPr id="3" name="Content Placeholder 2">
+            <a:extLst>
+              <a:ext uri="{FF2B5EF4-FFF2-40B4-BE49-F238E27FC236}">
+                <a16:creationId xmlns:a16="http://schemas.microsoft.com/office/drawing/2014/main" id="{77F5718B-718C-9167-2E7C-1E77621DCA9A}"/>
+              </a:ext>
+            </a:extLst>
+          </p:cNvPr>
+          <p:cNvSpPr>
+            <a:spLocks noGrp="1"/>
+          </p:cNvSpPr>
+          <p:nvPr>
+            <p:ph idx="1"/>
+          </p:nvPr>
+        </p:nvSpPr>
+        <p:spPr/>
+        <p:txBody>
+          <a:bodyPr/>
+          <a:lstStyle/>
+          <a:p>
+            <a:r>
+              <a:rPr lang="en-US" dirty="0"/>
+              <a:t>What they are</a:t>
+            </a:r>
+          </a:p>
+          <a:p>
+            <a:r>
+              <a:rPr lang="en-US" dirty="0"/>
+              <a:t>ELF- </a:t>
+            </a:r>
+            <a:r>
+              <a:rPr lang="en-US" dirty="0" err="1"/>
+              <a:t>unix</a:t>
+            </a:r>
+            <a:r>
+              <a:rPr lang="en-US" dirty="0"/>
+              <a:t> executable format</a:t>
+            </a:r>
+          </a:p>
+          <a:p>
+            <a:r>
+              <a:rPr lang="en-US" dirty="0"/>
+              <a:t>Inspect binary file (in terminal)</a:t>
+            </a:r>
+          </a:p>
+        </p:txBody>
+      </p:sp>
+    </p:spTree>
+    <p:extLst>
+      <p:ext uri="{BB962C8B-B14F-4D97-AF65-F5344CB8AC3E}">
+        <p14:creationId xmlns:p14="http://schemas.microsoft.com/office/powerpoint/2010/main" val="1940240589"/>
+      </p:ext>
+    </p:extLst>
+  </p:cSld>
+  <p:clrMapOvr>
+    <a:masterClrMapping/>
+  </p:clrMapOvr>
+</p:sld>
+</file>
+
+<file path=ppt/slides/slide4.xml><?xml version="1.0" encoding="utf-8"?>
+<p:sld xmlns:a="http://schemas.openxmlformats.org/drawingml/2006/main" xmlns:r="http://schemas.openxmlformats.org/officeDocument/2006/relationships" xmlns:p="http://schemas.openxmlformats.org/presentationml/2006/main">
+  <p:cSld>
+    <p:spTree>
+      <p:nvGrpSpPr>
+        <p:cNvPr id="1" name=""/>
+        <p:cNvGrpSpPr/>
+        <p:nvPr/>
+      </p:nvGrpSpPr>
+      <p:grpSpPr>
+        <a:xfrm>
+          <a:off x="0" y="0"/>
+          <a:ext cx="0" cy="0"/>
+          <a:chOff x="0" y="0"/>
+          <a:chExt cx="0" cy="0"/>
+        </a:xfrm>
+      </p:grpSpPr>
+      <p:sp>
+        <p:nvSpPr>
+          <p:cNvPr id="2" name="Title 1">
+            <a:extLst>
+              <a:ext uri="{FF2B5EF4-FFF2-40B4-BE49-F238E27FC236}">
+                <a16:creationId xmlns:a16="http://schemas.microsoft.com/office/drawing/2014/main" id="{4129B9CA-E3B3-987D-E0FA-E7BAB536801A}"/>
+              </a:ext>
+            </a:extLst>
+          </p:cNvPr>
+          <p:cNvSpPr>
+            <a:spLocks noGrp="1"/>
+          </p:cNvSpPr>
+          <p:nvPr>
+            <p:ph type="title"/>
+          </p:nvPr>
+        </p:nvSpPr>
+        <p:spPr/>
+        <p:txBody>
+          <a:bodyPr/>
+          <a:lstStyle/>
+          <a:p>
+            <a:r>
+              <a:rPr lang="en-US" dirty="0"/>
+              <a:t>Role as an Attacker</a:t>
+            </a:r>
+          </a:p>
+        </p:txBody>
+      </p:sp>
+      <p:sp>
+        <p:nvSpPr>
+          <p:cNvPr id="3" name="Content Placeholder 2">
+            <a:extLst>
+              <a:ext uri="{FF2B5EF4-FFF2-40B4-BE49-F238E27FC236}">
+                <a16:creationId xmlns:a16="http://schemas.microsoft.com/office/drawing/2014/main" id="{868D17C8-160D-578C-8DDC-712FCBB7AD12}"/>
+              </a:ext>
+            </a:extLst>
+          </p:cNvPr>
+          <p:cNvSpPr>
+            <a:spLocks noGrp="1"/>
+          </p:cNvSpPr>
+          <p:nvPr>
+            <p:ph idx="1"/>
+          </p:nvPr>
+        </p:nvSpPr>
+        <p:spPr/>
+        <p:txBody>
+          <a:bodyPr/>
+          <a:lstStyle/>
+          <a:p>
+            <a:r>
+              <a:rPr lang="en-US" dirty="0"/>
+              <a:t>Decompile binary file</a:t>
+            </a:r>
+          </a:p>
+          <a:p>
+            <a:r>
+              <a:rPr lang="en-US" dirty="0"/>
+              <a:t>Find vulnerability</a:t>
+            </a:r>
+          </a:p>
+          <a:p>
+            <a:r>
+              <a:rPr lang="en-US" dirty="0"/>
+              <a:t>Looking for permission elevation</a:t>
+            </a:r>
+          </a:p>
+        </p:txBody>
+      </p:sp>
+    </p:spTree>
+    <p:extLst>
+      <p:ext uri="{BB962C8B-B14F-4D97-AF65-F5344CB8AC3E}">
+        <p14:creationId xmlns:p14="http://schemas.microsoft.com/office/powerpoint/2010/main" val="3640324309"/>
+      </p:ext>
+    </p:extLst>
+  </p:cSld>
+  <p:clrMapOvr>
+    <a:masterClrMapping/>
+  </p:clrMapOvr>
+</p:sld>
+</file>
+
+<file path=ppt/slides/slide5.xml><?xml version="1.0" encoding="utf-8"?>
+<p:sld xmlns:a="http://schemas.openxmlformats.org/drawingml/2006/main" xmlns:r="http://schemas.openxmlformats.org/officeDocument/2006/relationships" xmlns:p="http://schemas.openxmlformats.org/presentationml/2006/main">
+  <p:cSld>
+    <p:spTree>
+      <p:nvGrpSpPr>
+        <p:cNvPr id="1" name=""/>
+        <p:cNvGrpSpPr/>
+        <p:nvPr/>
+      </p:nvGrpSpPr>
+      <p:grpSpPr>
+        <a:xfrm>
+          <a:off x="0" y="0"/>
+          <a:ext cx="0" cy="0"/>
+          <a:chOff x="0" y="0"/>
+          <a:chExt cx="0" cy="0"/>
+        </a:xfrm>
+      </p:grpSpPr>
+      <p:sp>
+        <p:nvSpPr>
+          <p:cNvPr id="2" name="Title 1">
+            <a:extLst>
+              <a:ext uri="{FF2B5EF4-FFF2-40B4-BE49-F238E27FC236}">
+                <a16:creationId xmlns:a16="http://schemas.microsoft.com/office/drawing/2014/main" id="{5FA77C56-3DC3-8121-BBC1-2D80076B389C}"/>
+              </a:ext>
+            </a:extLst>
+          </p:cNvPr>
+          <p:cNvSpPr>
+            <a:spLocks noGrp="1"/>
+          </p:cNvSpPr>
+          <p:nvPr>
+            <p:ph type="title"/>
+          </p:nvPr>
+        </p:nvSpPr>
+        <p:spPr/>
+        <p:txBody>
+          <a:bodyPr/>
+          <a:lstStyle/>
+          <a:p>
+            <a:r>
+              <a:rPr lang="en-US" dirty="0"/>
+              <a:t>Challenge #1 NCL Enumeration &amp; Exploitation</a:t>
+            </a:r>
+          </a:p>
+        </p:txBody>
+      </p:sp>
+      <p:sp>
+        <p:nvSpPr>
+          <p:cNvPr id="3" name="Content Placeholder 2">
+            <a:extLst>
+              <a:ext uri="{FF2B5EF4-FFF2-40B4-BE49-F238E27FC236}">
+                <a16:creationId xmlns:a16="http://schemas.microsoft.com/office/drawing/2014/main" id="{D535FAD0-C21A-7FA7-C6B2-827F4A7761F1}"/>
+              </a:ext>
+            </a:extLst>
+          </p:cNvPr>
+          <p:cNvSpPr>
+            <a:spLocks noGrp="1"/>
+          </p:cNvSpPr>
+          <p:nvPr>
+            <p:ph idx="1"/>
+          </p:nvPr>
+        </p:nvSpPr>
+        <p:spPr/>
+        <p:txBody>
+          <a:bodyPr/>
+          <a:lstStyle/>
+          <a:p>
+            <a:r>
+              <a:rPr lang="en-US" dirty="0"/>
+              <a:t>Let’s hack our first binary file!</a:t>
+            </a:r>
+          </a:p>
+          <a:p>
+            <a:r>
+              <a:rPr lang="en-US" dirty="0"/>
+              <a:t>Why did it work?</a:t>
+            </a:r>
+          </a:p>
+          <a:p>
+            <a:pPr lvl="1"/>
+            <a:r>
+              <a:rPr lang="en-US" dirty="0"/>
+              <a:t>We successfully performed a buffer overflow and overwrote a local variable, which is also placed on the stack</a:t>
+            </a:r>
+          </a:p>
+        </p:txBody>
+      </p:sp>
+    </p:spTree>
+    <p:extLst>
+      <p:ext uri="{BB962C8B-B14F-4D97-AF65-F5344CB8AC3E}">
+        <p14:creationId xmlns:p14="http://schemas.microsoft.com/office/powerpoint/2010/main" val="3345805383"/>
+      </p:ext>
+    </p:extLst>
+  </p:cSld>
+  <p:clrMapOvr>
+    <a:masterClrMapping/>
+  </p:clrMapOvr>
+</p:sld>
+</file>
+
+<file path=ppt/slides/slide6.xml><?xml version="1.0" encoding="utf-8"?>
+<p:sld xmlns:a="http://schemas.openxmlformats.org/drawingml/2006/main" xmlns:r="http://schemas.openxmlformats.org/officeDocument/2006/relationships" xmlns:p="http://schemas.openxmlformats.org/presentationml/2006/main">
+  <p:cSld>
+    <p:spTree>
+      <p:nvGrpSpPr>
+        <p:cNvPr id="1" name=""/>
+        <p:cNvGrpSpPr/>
+        <p:nvPr/>
+      </p:nvGrpSpPr>
+      <p:grpSpPr>
+        <a:xfrm>
+          <a:off x="0" y="0"/>
+          <a:ext cx="0" cy="0"/>
+          <a:chOff x="0" y="0"/>
+          <a:chExt cx="0" cy="0"/>
+        </a:xfrm>
+      </p:grpSpPr>
+      <p:sp>
+        <p:nvSpPr>
+          <p:cNvPr id="2" name="Title 1">
+            <a:extLst>
+              <a:ext uri="{FF2B5EF4-FFF2-40B4-BE49-F238E27FC236}">
+                <a16:creationId xmlns:a16="http://schemas.microsoft.com/office/drawing/2014/main" id="{52D85520-BA25-A83D-7D3C-B5B62C00AEBA}"/>
+              </a:ext>
+            </a:extLst>
+          </p:cNvPr>
+          <p:cNvSpPr>
+            <a:spLocks noGrp="1"/>
+          </p:cNvSpPr>
+          <p:nvPr>
+            <p:ph type="title"/>
+          </p:nvPr>
+        </p:nvSpPr>
+        <p:spPr/>
+        <p:txBody>
+          <a:bodyPr/>
+          <a:lstStyle/>
+          <a:p>
+            <a:r>
+              <a:rPr lang="en-US" dirty="0"/>
+              <a:t>Challenge #2</a:t>
+            </a:r>
+          </a:p>
+        </p:txBody>
+      </p:sp>
+      <p:sp>
+        <p:nvSpPr>
+          <p:cNvPr id="3" name="Content Placeholder 2">
+            <a:extLst>
+              <a:ext uri="{FF2B5EF4-FFF2-40B4-BE49-F238E27FC236}">
+                <a16:creationId xmlns:a16="http://schemas.microsoft.com/office/drawing/2014/main" id="{EC1FB83B-CBFC-55CB-27DE-5AFA5E4D8FBB}"/>
+              </a:ext>
+            </a:extLst>
+          </p:cNvPr>
+          <p:cNvSpPr>
+            <a:spLocks noGrp="1"/>
+          </p:cNvSpPr>
+          <p:nvPr>
+            <p:ph idx="1"/>
+          </p:nvPr>
+        </p:nvSpPr>
+        <p:spPr/>
+        <p:txBody>
+          <a:bodyPr/>
+          <a:lstStyle/>
+          <a:p>
+            <a:endParaRPr lang="en-US"/>
+          </a:p>
+        </p:txBody>
+      </p:sp>
+    </p:spTree>
+    <p:extLst>
+      <p:ext uri="{BB962C8B-B14F-4D97-AF65-F5344CB8AC3E}">
+        <p14:creationId xmlns:p14="http://schemas.microsoft.com/office/powerpoint/2010/main" val="2154873064"/>
+      </p:ext>
+    </p:extLst>
+  </p:cSld>
+  <p:clrMapOvr>
+    <a:masterClrMapping/>
+  </p:clrMapOvr>
+</p:sld>
+</file>
+
+<file path=ppt/slides/slide7.xml><?xml version="1.0" encoding="utf-8"?>
+<p:sld xmlns:a="http://schemas.openxmlformats.org/drawingml/2006/main" xmlns:r="http://schemas.openxmlformats.org/officeDocument/2006/relationships" xmlns:p="http://schemas.openxmlformats.org/presentationml/2006/main">
+  <p:cSld>
+    <p:spTree>
+      <p:nvGrpSpPr>
+        <p:cNvPr id="1" name=""/>
+        <p:cNvGrpSpPr/>
+        <p:nvPr/>
+      </p:nvGrpSpPr>
+      <p:grpSpPr>
+        <a:xfrm>
+          <a:off x="0" y="0"/>
+          <a:ext cx="0" cy="0"/>
+          <a:chOff x="0" y="0"/>
+          <a:chExt cx="0" cy="0"/>
+        </a:xfrm>
+      </p:grpSpPr>
+      <p:sp>
+        <p:nvSpPr>
+          <p:cNvPr id="2" name="Title 1">
+            <a:extLst>
+              <a:ext uri="{FF2B5EF4-FFF2-40B4-BE49-F238E27FC236}">
                 <a16:creationId xmlns:a16="http://schemas.microsoft.com/office/drawing/2014/main" id="{116E3957-1C12-F27A-1D25-5539DC020FD7}"/>
               </a:ext>
             </a:extLst>
@@ -3652,7 +4200,7 @@
         </p:blipFill>
         <p:spPr bwMode="auto">
           <a:xfrm>
-            <a:off x="4767279" y="1825625"/>
+            <a:off x="2051375" y="1907511"/>
             <a:ext cx="4404353" cy="4351338"/>
           </a:xfrm>
           <a:prstGeom prst="rect">
@@ -3683,7 +4231,7 @@
 </p:sld>
 </file>
 
-<file path=ppt/slides/slide4.xml><?xml version="1.0" encoding="utf-8"?>
+<file path=ppt/slides/slide8.xml><?xml version="1.0" encoding="utf-8"?>
 <p:sld xmlns:a="http://schemas.openxmlformats.org/drawingml/2006/main" xmlns:r="http://schemas.openxmlformats.org/officeDocument/2006/relationships" xmlns:p="http://schemas.openxmlformats.org/presentationml/2006/main">
   <p:cSld>
     <p:spTree>
@@ -3722,7 +4270,7 @@
           <a:lstStyle/>
           <a:p>
             <a:r>
-              <a:rPr lang="en-US" dirty="0"/>
+              <a:rPr lang="en-US"/>
               <a:t>References</a:t>
             </a:r>
           </a:p>
@@ -3750,19 +4298,19 @@
           <a:lstStyle/>
           <a:p>
             <a:r>
-              <a:rPr lang="en-US" dirty="0"/>
+              <a:rPr lang="en-US"/>
               <a:t>Ref1</a:t>
             </a:r>
           </a:p>
           <a:p>
             <a:r>
-              <a:rPr lang="en-US" dirty="0"/>
+              <a:rPr lang="en-US"/>
               <a:t>Ref2</a:t>
             </a:r>
           </a:p>
           <a:p>
             <a:r>
-              <a:rPr lang="en-US" dirty="0"/>
+              <a:rPr lang="en-US"/>
               <a:t>ref3</a:t>
             </a:r>
           </a:p>
